--- a/모의창업 중간고사 대체과제물.pptx
+++ b/모의창업 중간고사 대체과제물.pptx
@@ -198,6 +198,51 @@
 </p:presentation>
 </file>
 
+<file path=ppt/changesInfos/changesInfo1.xml><?xml version="1.0" encoding="utf-8"?>
+<pc:chgInfo xmlns:a="http://schemas.openxmlformats.org/drawingml/2006/main" xmlns:r="http://schemas.openxmlformats.org/officeDocument/2006/relationships" xmlns:ac="http://schemas.microsoft.com/office/drawing/2013/main/command" xmlns:pc="http://schemas.microsoft.com/office/powerpoint/2013/main/command">
+  <pc:docChgLst>
+    <pc:chgData name="Lee Sang Yoon" userId="6e21c44cc1f25710" providerId="LiveId" clId="{5A97C216-FD3B-4466-87D6-164F73CBA208}"/>
+    <pc:docChg chg="custSel modSld">
+      <pc:chgData name="Lee Sang Yoon" userId="6e21c44cc1f25710" providerId="LiveId" clId="{5A97C216-FD3B-4466-87D6-164F73CBA208}" dt="2022-05-01T09:07:18.233" v="2248" actId="20577"/>
+      <pc:docMkLst>
+        <pc:docMk/>
+      </pc:docMkLst>
+      <pc:sldChg chg="modSp mod">
+        <pc:chgData name="Lee Sang Yoon" userId="6e21c44cc1f25710" providerId="LiveId" clId="{5A97C216-FD3B-4466-87D6-164F73CBA208}" dt="2022-05-01T09:07:18.233" v="2248" actId="20577"/>
+        <pc:sldMkLst>
+          <pc:docMk/>
+          <pc:sldMk cId="1516538604" sldId="786"/>
+        </pc:sldMkLst>
+        <pc:spChg chg="mod">
+          <ac:chgData name="Lee Sang Yoon" userId="6e21c44cc1f25710" providerId="LiveId" clId="{5A97C216-FD3B-4466-87D6-164F73CBA208}" dt="2022-05-01T08:33:11.810" v="91" actId="20577"/>
+          <ac:spMkLst>
+            <pc:docMk/>
+            <pc:sldMk cId="1516538604" sldId="786"/>
+            <ac:spMk id="8" creationId="{8ADA621B-3340-4244-BA07-5EF66FD5C1E7}"/>
+          </ac:spMkLst>
+        </pc:spChg>
+        <pc:graphicFrameChg chg="mod modGraphic">
+          <ac:chgData name="Lee Sang Yoon" userId="6e21c44cc1f25710" providerId="LiveId" clId="{5A97C216-FD3B-4466-87D6-164F73CBA208}" dt="2022-05-01T09:03:29.385" v="2082" actId="20577"/>
+          <ac:graphicFrameMkLst>
+            <pc:docMk/>
+            <pc:sldMk cId="1516538604" sldId="786"/>
+            <ac:graphicFrameMk id="9" creationId="{9B99A0BF-33AB-41B2-A621-E1BF0FC8FF43}"/>
+          </ac:graphicFrameMkLst>
+        </pc:graphicFrameChg>
+        <pc:graphicFrameChg chg="mod modGraphic">
+          <ac:chgData name="Lee Sang Yoon" userId="6e21c44cc1f25710" providerId="LiveId" clId="{5A97C216-FD3B-4466-87D6-164F73CBA208}" dt="2022-05-01T09:07:18.233" v="2248" actId="20577"/>
+          <ac:graphicFrameMkLst>
+            <pc:docMk/>
+            <pc:sldMk cId="1516538604" sldId="786"/>
+            <ac:graphicFrameMk id="12" creationId="{54FAB6A2-A8EE-40E0-82BD-317F473C4A8B}"/>
+          </ac:graphicFrameMkLst>
+        </pc:graphicFrameChg>
+      </pc:sldChg>
+    </pc:docChg>
+  </pc:docChgLst>
+</pc:chgInfo>
+</file>
+
 <file path=ppt/handoutMasters/handoutMaster1.xml><?xml version="1.0" encoding="utf-8"?>
 <p:handoutMaster xmlns:a="http://schemas.openxmlformats.org/drawingml/2006/main" xmlns:r="http://schemas.openxmlformats.org/officeDocument/2006/relationships" xmlns:p="http://schemas.openxmlformats.org/presentationml/2006/main">
   <p:cSld>
@@ -281,7 +326,7 @@
             <a:fld id="{6E7D20E9-42A2-4722-B574-9A2C98C25974}" type="datetimeFigureOut">
               <a:rPr lang="ko-KR" altLang="en-US" smtClean="0"/>
               <a:pPr/>
-              <a:t>2022-04-30</a:t>
+              <a:t>2022-05-01</a:t>
             </a:fld>
             <a:endParaRPr lang="ko-KR" altLang="en-US"/>
           </a:p>
@@ -474,7 +519,7 @@
               <a:pPr>
                 <a:defRPr/>
               </a:pPr>
-              <a:t>2022-04-30</a:t>
+              <a:t>2022-05-01</a:t>
             </a:fld>
             <a:endParaRPr lang="ko-KR" altLang="en-US"/>
           </a:p>
@@ -5174,7 +5219,31 @@
                   <a:srgbClr val="000000"/>
                 </a:solidFill>
               </a:rPr>
-              <a:t>:                              </a:t>
+              <a:t>:  </a:t>
+            </a:r>
+            <a:r>
+              <a:rPr kumimoji="0" lang="ko-KR" altLang="en-US" sz="1100" b="1" kern="0" dirty="0" err="1">
+                <a:solidFill>
+                  <a:srgbClr val="000000"/>
+                </a:solidFill>
+              </a:rPr>
+              <a:t>컴퓨터전자시스템공학전공</a:t>
+            </a:r>
+            <a:r>
+              <a:rPr kumimoji="0" lang="ko-KR" altLang="en-US" sz="1100" b="1" kern="0" dirty="0">
+                <a:solidFill>
+                  <a:srgbClr val="000000"/>
+                </a:solidFill>
+              </a:rPr>
+              <a:t>    </a:t>
+            </a:r>
+            <a:r>
+              <a:rPr kumimoji="0" lang="en-US" altLang="ko-KR" sz="1100" b="1" kern="0" dirty="0">
+                <a:solidFill>
+                  <a:srgbClr val="000000"/>
+                </a:solidFill>
+              </a:rPr>
+              <a:t>      </a:t>
             </a:r>
             <a:r>
               <a:rPr kumimoji="0" lang="ko-KR" altLang="en-US" sz="1100" b="1" kern="0" dirty="0">
@@ -5190,7 +5259,7 @@
                   <a:srgbClr val="000000"/>
                 </a:solidFill>
               </a:rPr>
-              <a:t>:                               </a:t>
+              <a:t>: 201802529         </a:t>
             </a:r>
             <a:r>
               <a:rPr kumimoji="0" lang="ko-KR" altLang="en-US" sz="1100" b="1" kern="0" dirty="0">
@@ -5208,6 +5277,19 @@
               </a:rPr>
               <a:t>:  </a:t>
             </a:r>
+            <a:r>
+              <a:rPr kumimoji="0" lang="ko-KR" altLang="en-US" sz="1100" b="1" kern="0" dirty="0">
+                <a:solidFill>
+                  <a:srgbClr val="000000"/>
+                </a:solidFill>
+              </a:rPr>
+              <a:t>이상윤</a:t>
+            </a:r>
+            <a:endParaRPr kumimoji="0" lang="en-US" altLang="ko-KR" sz="1100" b="1" kern="0" dirty="0">
+              <a:solidFill>
+                <a:srgbClr val="000000"/>
+              </a:solidFill>
+            </a:endParaRPr>
           </a:p>
           <a:p>
             <a:pPr latinLnBrk="0">
@@ -5258,14 +5340,14 @@
           <p:nvPr>
             <p:extLst>
               <p:ext uri="{D42A27DB-BD31-4B8C-83A1-F6EECF244321}">
-                <p14:modId xmlns:p14="http://schemas.microsoft.com/office/powerpoint/2010/main" val="2154283063"/>
+                <p14:modId xmlns:p14="http://schemas.microsoft.com/office/powerpoint/2010/main" val="3919405480"/>
               </p:ext>
             </p:extLst>
           </p:nvPr>
         </p:nvGraphicFramePr>
         <p:xfrm>
           <a:off x="911427" y="2148846"/>
-          <a:ext cx="10441155" cy="2761520"/>
+          <a:ext cx="10441155" cy="2831360"/>
         </p:xfrm>
         <a:graphic>
           <a:graphicData uri="http://schemas.openxmlformats.org/drawingml/2006/table">
@@ -5418,8 +5500,97 @@
                     <a:bodyPr/>
                     <a:lstStyle/>
                     <a:p>
+                      <a:pPr marL="171450" indent="-171450" latinLnBrk="1">
+                        <a:buFontTx/>
+                        <a:buChar char="-"/>
+                      </a:pPr>
+                      <a:r>
+                        <a:rPr lang="ko-KR" altLang="en-US" sz="1100" dirty="0" err="1"/>
+                        <a:t>방탈출</a:t>
+                      </a:r>
+                      <a:r>
+                        <a:rPr lang="ko-KR" altLang="en-US" sz="1100" dirty="0"/>
+                        <a:t> 카페의 가성비가 좋지 않다</a:t>
+                      </a:r>
+                      <a:r>
+                        <a:rPr lang="en-US" altLang="ko-KR" sz="1100" dirty="0"/>
+                        <a:t>. (</a:t>
+                      </a:r>
+                      <a:r>
+                        <a:rPr lang="ko-KR" altLang="en-US" sz="1100" dirty="0"/>
+                        <a:t>보통 </a:t>
+                      </a:r>
+                      <a:r>
+                        <a:rPr lang="en-US" altLang="ko-KR" sz="1100" dirty="0"/>
+                        <a:t>1</a:t>
+                      </a:r>
+                      <a:r>
+                        <a:rPr lang="ko-KR" altLang="en-US" sz="1100" dirty="0"/>
+                        <a:t>시간에 </a:t>
+                      </a:r>
+                      <a:r>
+                        <a:rPr lang="en-US" altLang="ko-KR" sz="1100" dirty="0"/>
+                        <a:t>22,000</a:t>
+                      </a:r>
+                      <a:r>
+                        <a:rPr lang="ko-KR" altLang="en-US" sz="1100" dirty="0"/>
+                        <a:t>원</a:t>
+                      </a:r>
+                      <a:r>
+                        <a:rPr lang="en-US" altLang="ko-KR" sz="1100" dirty="0"/>
+                        <a:t>)</a:t>
+                      </a:r>
+                    </a:p>
+                    <a:p>
                       <a:pPr latinLnBrk="1"/>
-                      <a:endParaRPr lang="ko-KR" altLang="en-US" sz="1100" dirty="0"/>
+                      <a:endParaRPr lang="en-US" altLang="ko-KR" sz="1100" dirty="0"/>
+                    </a:p>
+                    <a:p>
+                      <a:pPr marL="171450" indent="-171450" latinLnBrk="1">
+                        <a:buFontTx/>
+                        <a:buChar char="-"/>
+                      </a:pPr>
+                      <a:r>
+                        <a:rPr lang="ko-KR" altLang="en-US" sz="1100" dirty="0"/>
+                        <a:t>기본 </a:t>
+                      </a:r>
+                      <a:r>
+                        <a:rPr lang="en-US" altLang="ko-KR" sz="1100" dirty="0"/>
+                        <a:t>2</a:t>
+                      </a:r>
+                      <a:r>
+                        <a:rPr lang="ko-KR" altLang="en-US" sz="1100" dirty="0"/>
+                        <a:t>인 이상이라 혼자서 즐기기 어렵다</a:t>
+                      </a:r>
+                      <a:r>
+                        <a:rPr lang="en-US" altLang="ko-KR" sz="1100" dirty="0"/>
+                        <a:t>.</a:t>
+                      </a:r>
+                    </a:p>
+                    <a:p>
+                      <a:pPr latinLnBrk="1"/>
+                      <a:endParaRPr lang="en-US" altLang="ko-KR" sz="1100" dirty="0"/>
+                    </a:p>
+                    <a:p>
+                      <a:pPr marL="171450" indent="-171450" latinLnBrk="1">
+                        <a:buFontTx/>
+                        <a:buChar char="-"/>
+                      </a:pPr>
+                      <a:r>
+                        <a:rPr lang="ko-KR" altLang="en-US" sz="1100" dirty="0"/>
+                        <a:t>폐쇄된 환경에서 주로 진행하므로 코로나 감염의 위험이 높다</a:t>
+                      </a:r>
+                      <a:r>
+                        <a:rPr lang="en-US" altLang="ko-KR" sz="1100" dirty="0"/>
+                        <a:t>.</a:t>
+                      </a:r>
+                    </a:p>
+                    <a:p>
+                      <a:pPr marL="171450" indent="-171450" latinLnBrk="1">
+                        <a:buFontTx/>
+                        <a:buChar char="-"/>
+                      </a:pPr>
+                      <a:endParaRPr lang="en-US" altLang="ko-KR" sz="1100" dirty="0"/>
                     </a:p>
                   </a:txBody>
                   <a:tcPr/>
@@ -5429,11 +5600,39 @@
                     <a:bodyPr/>
                     <a:lstStyle/>
                     <a:p>
-                      <a:pPr latinLnBrk="1"/>
+                      <a:pPr marL="171450" indent="-171450" latinLnBrk="1">
+                        <a:buFontTx/>
+                        <a:buChar char="-"/>
+                      </a:pPr>
+                      <a:r>
+                        <a:rPr lang="ko-KR" altLang="en-US" sz="1100" dirty="0"/>
+                        <a:t>시간과 공간의 제약 </a:t>
+                      </a:r>
+                      <a:r>
+                        <a:rPr lang="en-US" altLang="ko-KR" sz="1100" dirty="0"/>
+                        <a:t>X</a:t>
+                      </a:r>
+                    </a:p>
+                    <a:p>
+                      <a:pPr marL="171450" indent="-171450" latinLnBrk="1">
+                        <a:buFontTx/>
+                        <a:buChar char="-"/>
+                      </a:pPr>
+                      <a:r>
+                        <a:rPr lang="ko-KR" altLang="en-US" sz="1100" dirty="0"/>
+                        <a:t>비용이 저렴 혹은 무료</a:t>
+                      </a:r>
                       <a:endParaRPr lang="en-US" altLang="ko-KR" sz="1100" dirty="0"/>
                     </a:p>
                     <a:p>
-                      <a:pPr latinLnBrk="1"/>
+                      <a:pPr marL="171450" indent="-171450" latinLnBrk="1">
+                        <a:buFontTx/>
+                        <a:buChar char="-"/>
+                      </a:pPr>
+                      <a:r>
+                        <a:rPr lang="ko-KR" altLang="en-US" sz="1100" dirty="0"/>
+                        <a:t>혼자서도 편하게 즐길 수 있음</a:t>
+                      </a:r>
                       <a:endParaRPr lang="en-US" altLang="ko-KR" sz="1100" dirty="0"/>
                     </a:p>
                     <a:p>
@@ -5456,8 +5655,107 @@
                     <a:bodyPr/>
                     <a:lstStyle/>
                     <a:p>
-                      <a:pPr latinLnBrk="1"/>
-                      <a:endParaRPr lang="ko-KR" altLang="en-US" sz="1100" dirty="0"/>
+                      <a:pPr marL="171450" indent="-171450" latinLnBrk="1">
+                        <a:buFontTx/>
+                        <a:buChar char="-"/>
+                      </a:pPr>
+                      <a:r>
+                        <a:rPr lang="ko-KR" altLang="en-US" sz="1100" dirty="0"/>
+                        <a:t>기존보다 훨씬 저렴한 비용으로 언제 어디서나 방탈출을 즐길 수 있다</a:t>
+                      </a:r>
+                      <a:r>
+                        <a:rPr lang="en-US" altLang="ko-KR" sz="1100" dirty="0"/>
+                        <a:t>.</a:t>
+                      </a:r>
+                    </a:p>
+                    <a:p>
+                      <a:pPr marL="171450" indent="-171450" latinLnBrk="1">
+                        <a:buFontTx/>
+                        <a:buChar char="-"/>
+                      </a:pPr>
+                      <a:endParaRPr lang="en-US" altLang="ko-KR" sz="1100" dirty="0"/>
+                    </a:p>
+                    <a:p>
+                      <a:pPr marL="171450" indent="-171450" latinLnBrk="1">
+                        <a:buFontTx/>
+                        <a:buChar char="-"/>
+                      </a:pPr>
+                      <a:r>
+                        <a:rPr lang="ko-KR" altLang="en-US" sz="1100" dirty="0" err="1"/>
+                        <a:t>방탈출</a:t>
+                      </a:r>
+                      <a:r>
+                        <a:rPr lang="ko-KR" altLang="en-US" sz="1100" dirty="0"/>
+                        <a:t> 테마를 친구들에게 추천하거나 자유롭게 후기를 남길 수 있다</a:t>
+                      </a:r>
+                      <a:r>
+                        <a:rPr lang="en-US" altLang="ko-KR" sz="1100" dirty="0"/>
+                        <a:t>.</a:t>
+                      </a:r>
+                    </a:p>
+                    <a:p>
+                      <a:pPr marL="171450" indent="-171450" latinLnBrk="1">
+                        <a:buFontTx/>
+                        <a:buChar char="-"/>
+                      </a:pPr>
+                      <a:endParaRPr lang="en-US" altLang="ko-KR" sz="1100" dirty="0"/>
+                    </a:p>
+                    <a:p>
+                      <a:pPr marL="171450" indent="-171450" latinLnBrk="1">
+                        <a:buFontTx/>
+                        <a:buChar char="-"/>
+                      </a:pPr>
+                      <a:r>
+                        <a:rPr lang="ko-KR" altLang="en-US" sz="1100" dirty="0"/>
+                        <a:t>본인이</a:t>
+                      </a:r>
+                      <a:r>
+                        <a:rPr lang="en-US" altLang="ko-KR" sz="1100" dirty="0"/>
+                        <a:t> </a:t>
+                      </a:r>
+                      <a:r>
+                        <a:rPr lang="ko-KR" altLang="en-US" sz="1100" dirty="0"/>
+                        <a:t>직접 방탈출을 기획하여 공개할 수도 있다</a:t>
+                      </a:r>
+                      <a:r>
+                        <a:rPr lang="en-US" altLang="ko-KR" sz="1100" dirty="0"/>
+                        <a:t>.</a:t>
+                      </a:r>
+                    </a:p>
+                    <a:p>
+                      <a:pPr marL="171450" indent="-171450" latinLnBrk="1">
+                        <a:buFontTx/>
+                        <a:buChar char="-"/>
+                      </a:pPr>
+                      <a:endParaRPr lang="en-US" altLang="ko-KR" sz="1100" dirty="0"/>
+                    </a:p>
+                    <a:p>
+                      <a:pPr marL="0" indent="0" latinLnBrk="1">
+                        <a:buFontTx/>
+                        <a:buNone/>
+                      </a:pPr>
+                      <a:r>
+                        <a:rPr lang="en-US" altLang="ko-KR" sz="1100" dirty="0"/>
+                        <a:t>[</a:t>
+                      </a:r>
+                      <a:r>
+                        <a:rPr lang="ko-KR" altLang="en-US" sz="1100" dirty="0"/>
+                        <a:t>상위 개념</a:t>
+                      </a:r>
+                      <a:r>
+                        <a:rPr lang="en-US" altLang="ko-KR" sz="1100" dirty="0"/>
+                        <a:t>]</a:t>
+                      </a:r>
+                    </a:p>
+                    <a:p>
+                      <a:pPr marL="0" indent="0" latinLnBrk="1">
+                        <a:buFontTx/>
+                        <a:buNone/>
+                      </a:pPr>
+                      <a:r>
+                        <a:rPr lang="ko-KR" altLang="en-US" sz="1100" dirty="0"/>
+                        <a:t>방탈출계의 인스타그램</a:t>
+                      </a:r>
                     </a:p>
                   </a:txBody>
                   <a:tcPr/>
@@ -5477,6 +5775,101 @@
                   <a:txBody>
                     <a:bodyPr/>
                     <a:lstStyle/>
+                    <a:p>
+                      <a:pPr marL="171450" indent="-171450" latinLnBrk="1">
+                        <a:buFontTx/>
+                        <a:buChar char="-"/>
+                      </a:pPr>
+                      <a:r>
+                        <a:rPr lang="ko-KR" altLang="en-US" sz="1100" dirty="0"/>
+                        <a:t>방탈출을 좋아하는 모든 사람들 </a:t>
+                      </a:r>
+                      <a:r>
+                        <a:rPr lang="en-US" altLang="ko-KR" sz="1100" dirty="0"/>
+                        <a:t>(</a:t>
+                      </a:r>
+                      <a:r>
+                        <a:rPr lang="ko-KR" altLang="en-US" sz="1100" dirty="0"/>
+                        <a:t>보통 </a:t>
+                      </a:r>
+                      <a:r>
+                        <a:rPr lang="en-US" altLang="ko-KR" sz="1100" dirty="0"/>
+                        <a:t>10~20</a:t>
+                      </a:r>
+                      <a:r>
+                        <a:rPr lang="ko-KR" altLang="en-US" sz="1100" dirty="0"/>
+                        <a:t>대가 많다</a:t>
+                      </a:r>
+                      <a:r>
+                        <a:rPr lang="en-US" altLang="ko-KR" sz="1100" dirty="0"/>
+                        <a:t>)</a:t>
+                      </a:r>
+                    </a:p>
+                    <a:p>
+                      <a:pPr latinLnBrk="1"/>
+                      <a:endParaRPr lang="en-US" altLang="ko-KR" sz="1100" dirty="0"/>
+                    </a:p>
+                    <a:p>
+                      <a:pPr latinLnBrk="1"/>
+                      <a:endParaRPr lang="en-US" altLang="ko-KR" sz="1100" dirty="0"/>
+                    </a:p>
+                    <a:p>
+                      <a:pPr latinLnBrk="1"/>
+                      <a:r>
+                        <a:rPr lang="en-US" altLang="ko-KR" sz="1100" dirty="0"/>
+                        <a:t>[</a:t>
+                      </a:r>
+                      <a:r>
+                        <a:rPr lang="ko-KR" altLang="en-US" sz="1100" dirty="0" err="1"/>
+                        <a:t>얼리</a:t>
+                      </a:r>
+                      <a:r>
+                        <a:rPr lang="ko-KR" altLang="en-US" sz="1100" dirty="0"/>
+                        <a:t> 어댑터</a:t>
+                      </a:r>
+                      <a:r>
+                        <a:rPr lang="en-US" altLang="ko-KR" sz="1100" dirty="0"/>
+                        <a:t>]</a:t>
+                      </a:r>
+                    </a:p>
+                    <a:p>
+                      <a:pPr marL="171450" indent="-171450" latinLnBrk="1">
+                        <a:buFontTx/>
+                        <a:buChar char="-"/>
+                      </a:pPr>
+                      <a:r>
+                        <a:rPr lang="ko-KR" altLang="en-US" sz="1100" dirty="0" err="1"/>
+                        <a:t>방탈출</a:t>
+                      </a:r>
+                      <a:r>
+                        <a:rPr lang="ko-KR" altLang="en-US" sz="1100" dirty="0"/>
+                        <a:t> </a:t>
+                      </a:r>
+                      <a:r>
+                        <a:rPr lang="ko-KR" altLang="en-US" sz="1100" dirty="0" err="1"/>
+                        <a:t>덕후인</a:t>
+                      </a:r>
+                      <a:r>
+                        <a:rPr lang="ko-KR" altLang="en-US" sz="1100" dirty="0"/>
+                        <a:t> 분들</a:t>
+                      </a:r>
+                      <a:endParaRPr lang="en-US" altLang="ko-KR" sz="1100" dirty="0"/>
+                    </a:p>
+                    <a:p>
+                      <a:pPr marL="171450" indent="-171450" latinLnBrk="1">
+                        <a:buFontTx/>
+                        <a:buChar char="-"/>
+                      </a:pPr>
+                      <a:r>
+                        <a:rPr lang="ko-KR" altLang="en-US" sz="1100" dirty="0" err="1"/>
+                        <a:t>방탈출</a:t>
+                      </a:r>
+                      <a:r>
+                        <a:rPr lang="ko-KR" altLang="en-US" sz="1100" dirty="0"/>
+                        <a:t> 동아리 회원</a:t>
+                      </a:r>
+                      <a:endParaRPr lang="en-US" altLang="ko-KR" sz="1100" dirty="0"/>
+                    </a:p>
                     <a:p>
                       <a:pPr latinLnBrk="1"/>
                       <a:endParaRPr lang="ko-KR" altLang="en-US" sz="1100" dirty="0"/>
@@ -5627,8 +6020,45 @@
                     <a:bodyPr/>
                     <a:lstStyle/>
                     <a:p>
-                      <a:pPr latinLnBrk="1"/>
-                      <a:endParaRPr lang="ko-KR" altLang="en-US" sz="1100" dirty="0"/>
+                      <a:pPr marL="171450" indent="-171450" latinLnBrk="1">
+                        <a:buFontTx/>
+                        <a:buChar char="-"/>
+                      </a:pPr>
+                      <a:r>
+                        <a:rPr lang="ko-KR" altLang="en-US" sz="1100" dirty="0"/>
+                        <a:t>유명한 </a:t>
+                      </a:r>
+                      <a:r>
+                        <a:rPr lang="ko-KR" altLang="en-US" sz="1100" dirty="0" err="1"/>
+                        <a:t>방탈출</a:t>
+                      </a:r>
+                      <a:r>
+                        <a:rPr lang="ko-KR" altLang="en-US" sz="1100" dirty="0"/>
+                        <a:t> 카페 기업과 함께 이벤트 진행</a:t>
+                      </a:r>
+                      <a:endParaRPr lang="en-US" altLang="ko-KR" sz="1100" dirty="0"/>
+                    </a:p>
+                    <a:p>
+                      <a:pPr marL="171450" indent="-171450" latinLnBrk="1">
+                        <a:buFontTx/>
+                        <a:buChar char="-"/>
+                      </a:pPr>
+                      <a:r>
+                        <a:rPr lang="ko-KR" altLang="en-US" sz="1100" dirty="0" err="1"/>
+                        <a:t>방탈출</a:t>
+                      </a:r>
+                      <a:r>
+                        <a:rPr lang="ko-KR" altLang="en-US" sz="1100" dirty="0"/>
+                        <a:t> 커뮤니티에 무료 </a:t>
+                      </a:r>
+                      <a:r>
+                        <a:rPr lang="ko-KR" altLang="en-US" sz="1100" dirty="0" err="1"/>
+                        <a:t>체험판</a:t>
+                      </a:r>
+                      <a:r>
+                        <a:rPr lang="ko-KR" altLang="en-US" sz="1100" dirty="0"/>
+                        <a:t> 공개</a:t>
+                      </a:r>
                     </a:p>
                   </a:txBody>
                   <a:tcPr/>
@@ -5669,7 +6099,7 @@
           <p:nvPr>
             <p:extLst>
               <p:ext uri="{D42A27DB-BD31-4B8C-83A1-F6EECF244321}">
-                <p14:modId xmlns:p14="http://schemas.microsoft.com/office/powerpoint/2010/main" val="1626871638"/>
+                <p14:modId xmlns:p14="http://schemas.microsoft.com/office/powerpoint/2010/main" val="686712721"/>
               </p:ext>
             </p:extLst>
           </p:nvPr>
@@ -5756,6 +6186,10 @@
                     </a:p>
                     <a:p>
                       <a:pPr latinLnBrk="1"/>
+                      <a:r>
+                        <a:rPr lang="en-US" altLang="ko-KR" sz="1100" dirty="0"/>
+                        <a:t>- </a:t>
+                      </a:r>
                       <a:endParaRPr lang="ko-KR" altLang="en-US" sz="1100" dirty="0"/>
                     </a:p>
                   </a:txBody>
@@ -5766,8 +6200,37 @@
                     <a:bodyPr/>
                     <a:lstStyle/>
                     <a:p>
-                      <a:pPr latinLnBrk="1"/>
-                      <a:endParaRPr lang="ko-KR" altLang="en-US" sz="1100" dirty="0"/>
+                      <a:pPr marL="171450" indent="-171450" latinLnBrk="1">
+                        <a:buFontTx/>
+                        <a:buChar char="-"/>
+                      </a:pPr>
+                      <a:r>
+                        <a:rPr lang="ko-KR" altLang="en-US" sz="1100" dirty="0" err="1"/>
+                        <a:t>방탈출</a:t>
+                      </a:r>
+                      <a:r>
+                        <a:rPr lang="ko-KR" altLang="en-US" sz="1100" dirty="0"/>
+                        <a:t> 컨텐츠 판매</a:t>
+                      </a:r>
+                      <a:endParaRPr lang="en-US" altLang="ko-KR" sz="1100" dirty="0"/>
+                    </a:p>
+                    <a:p>
+                      <a:pPr marL="171450" indent="-171450" latinLnBrk="1">
+                        <a:buFontTx/>
+                        <a:buChar char="-"/>
+                      </a:pPr>
+                      <a:r>
+                        <a:rPr lang="ko-KR" altLang="en-US" sz="1100" dirty="0"/>
+                        <a:t>게임 화면 구석에 광고 개제</a:t>
+                      </a:r>
+                      <a:endParaRPr lang="en-US" altLang="ko-KR" sz="1100" dirty="0"/>
+                    </a:p>
+                    <a:p>
+                      <a:pPr marL="171450" indent="-171450" latinLnBrk="1">
+                        <a:buFontTx/>
+                        <a:buChar char="-"/>
+                      </a:pPr>
+                      <a:endParaRPr lang="en-US" altLang="ko-KR" sz="1100" dirty="0"/>
                     </a:p>
                   </a:txBody>
                   <a:tcPr/>
